--- a/Apresentação.pptx
+++ b/Apresentação.pptx
@@ -3235,7 +3235,15 @@
             </a:r>
             <a:r>
               <a:rPr lang="pt-BR" dirty="0" smtClean="0"/>
-              <a:t>numa melhora significativa </a:t>
+              <a:t>numa </a:t>
+            </a:r>
+            <a:r>
+              <a:rPr lang="pt-BR" dirty="0" smtClean="0"/>
+              <a:t>melhoria </a:t>
+            </a:r>
+            <a:r>
+              <a:rPr lang="pt-BR" dirty="0" smtClean="0"/>
+              <a:t>significativa </a:t>
             </a:r>
             <a:r>
               <a:rPr lang="pt-BR" dirty="0"/>
@@ -3686,15 +3694,7 @@
           <a:p>
             <a:r>
               <a:rPr lang="pt-BR" dirty="0" smtClean="0"/>
-              <a:t>Uma eventual troca de contexto durante a execução </a:t>
-            </a:r>
-            <a:r>
-              <a:rPr lang="pt-BR" dirty="0" smtClean="0"/>
-              <a:t>poderia </a:t>
-            </a:r>
-            <a:r>
-              <a:rPr lang="pt-BR" dirty="0" smtClean="0"/>
-              <a:t>causar inconsistências no buffer.</a:t>
+              <a:t>Uma eventual troca de contexto durante a execução poderia causar inconsistências no buffer.</a:t>
             </a:r>
             <a:endParaRPr lang="pt-BR" dirty="0"/>
           </a:p>
@@ -4020,7 +4020,11 @@
             </a:r>
             <a:r>
               <a:rPr lang="pt-BR" dirty="0" smtClean="0"/>
-              <a:t>perfis de usuário </a:t>
+              <a:t>perfis de </a:t>
+            </a:r>
+            <a:r>
+              <a:rPr lang="pt-BR" dirty="0" smtClean="0"/>
+              <a:t>usuários </a:t>
             </a:r>
             <a:r>
               <a:rPr lang="pt-BR" dirty="0"/>
@@ -4352,7 +4356,6 @@
               <a:rPr lang="pt-BR" dirty="0" smtClean="0"/>
               <a:t>análise da página;</a:t>
             </a:r>
-            <a:endParaRPr lang="pt-BR" dirty="0" smtClean="0"/>
           </a:p>
           <a:p>
             <a:r>
@@ -4437,11 +4440,7 @@
           <a:p>
             <a:r>
               <a:rPr lang="pt-BR" dirty="0" smtClean="0"/>
-              <a:t>A aplicação </a:t>
-            </a:r>
-            <a:r>
-              <a:rPr lang="pt-BR" dirty="0" smtClean="0"/>
-              <a:t>calcula o tempo de execução do </a:t>
+              <a:t>A aplicação calcula o tempo de execução do </a:t>
             </a:r>
             <a:r>
               <a:rPr lang="pt-BR" dirty="0"/>
